--- a/RFCs/HDF5_Library/HPC_H5Dread_multi_H5Dwrite_multi/MultiDset_RW_Presentation.pptx
+++ b/RFCs/HDF5_Library/HPC_H5Dread_multi_H5Dwrite_multi/MultiDset_RW_Presentation.pptx
@@ -5,10 +5,10 @@
     <p:sldMasterId id="2147483686" r:id="rId1"/>
   </p:sldMasterIdLst>
   <p:notesMasterIdLst>
-    <p:notesMasterId r:id="rId12"/>
+    <p:notesMasterId r:id="rId11"/>
   </p:notesMasterIdLst>
   <p:handoutMasterIdLst>
-    <p:handoutMasterId r:id="rId13"/>
+    <p:handoutMasterId r:id="rId12"/>
   </p:handoutMasterIdLst>
   <p:sldIdLst>
     <p:sldId id="288" r:id="rId2"/>
@@ -20,17 +20,16 @@
     <p:sldId id="384" r:id="rId8"/>
     <p:sldId id="380" r:id="rId9"/>
     <p:sldId id="378" r:id="rId10"/>
-    <p:sldId id="379" r:id="rId11"/>
   </p:sldIdLst>
   <p:sldSz cx="9144000" cy="6858000" type="screen4x3"/>
-  <p:notesSz cx="6858000" cy="9144000"/>
+  <p:notesSz cx="6797675" cy="9926638"/>
   <p:embeddedFontLst>
     <p:embeddedFont>
       <p:font typeface="Calibri" pitchFamily="34" charset="0"/>
-      <p:regular r:id="rId14"/>
-      <p:bold r:id="rId15"/>
-      <p:italic r:id="rId16"/>
-      <p:boldItalic r:id="rId17"/>
+      <p:regular r:id="rId13"/>
+      <p:bold r:id="rId14"/>
+      <p:italic r:id="rId15"/>
+      <p:boldItalic r:id="rId16"/>
     </p:embeddedFont>
   </p:embeddedFontLst>
   <p:defaultTextStyle>
@@ -166,7 +165,7 @@
         <p:spPr>
           <a:xfrm>
             <a:off x="0" y="0"/>
-            <a:ext cx="2971800" cy="457200"/>
+            <a:ext cx="2945659" cy="496332"/>
           </a:xfrm>
           <a:prstGeom prst="rect">
             <a:avLst/>
@@ -196,8 +195,8 @@
         </p:nvSpPr>
         <p:spPr>
           <a:xfrm>
-            <a:off x="3884613" y="0"/>
-            <a:ext cx="2971800" cy="457200"/>
+            <a:off x="3850443" y="0"/>
+            <a:ext cx="2945659" cy="496332"/>
           </a:xfrm>
           <a:prstGeom prst="rect">
             <a:avLst/>
@@ -232,8 +231,8 @@
         </p:nvSpPr>
         <p:spPr>
           <a:xfrm>
-            <a:off x="0" y="8685213"/>
-            <a:ext cx="2971800" cy="457200"/>
+            <a:off x="0" y="9428583"/>
+            <a:ext cx="2945659" cy="496332"/>
           </a:xfrm>
           <a:prstGeom prst="rect">
             <a:avLst/>
@@ -263,8 +262,8 @@
         </p:nvSpPr>
         <p:spPr>
           <a:xfrm>
-            <a:off x="3884613" y="8685213"/>
-            <a:ext cx="2971800" cy="457200"/>
+            <a:off x="3850443" y="9428583"/>
+            <a:ext cx="2945659" cy="496332"/>
           </a:xfrm>
           <a:prstGeom prst="rect">
             <a:avLst/>
@@ -334,7 +333,7 @@
         <p:spPr>
           <a:xfrm>
             <a:off x="0" y="0"/>
-            <a:ext cx="2971800" cy="457200"/>
+            <a:ext cx="2945659" cy="496332"/>
           </a:xfrm>
           <a:prstGeom prst="rect">
             <a:avLst/>
@@ -364,8 +363,8 @@
         </p:nvSpPr>
         <p:spPr>
           <a:xfrm>
-            <a:off x="3884613" y="0"/>
-            <a:ext cx="2971800" cy="457200"/>
+            <a:off x="3850443" y="0"/>
+            <a:ext cx="2945659" cy="496332"/>
           </a:xfrm>
           <a:prstGeom prst="rect">
             <a:avLst/>
@@ -400,8 +399,8 @@
         </p:nvSpPr>
         <p:spPr>
           <a:xfrm>
-            <a:off x="1143000" y="685800"/>
-            <a:ext cx="4572000" cy="3429000"/>
+            <a:off x="917575" y="744538"/>
+            <a:ext cx="4962525" cy="3722687"/>
           </a:xfrm>
           <a:prstGeom prst="rect">
             <a:avLst/>
@@ -433,8 +432,8 @@
         </p:nvSpPr>
         <p:spPr>
           <a:xfrm>
-            <a:off x="685800" y="4343400"/>
-            <a:ext cx="5486400" cy="4114800"/>
+            <a:off x="679768" y="4715153"/>
+            <a:ext cx="5438140" cy="4466987"/>
           </a:xfrm>
           <a:prstGeom prst="rect">
             <a:avLst/>
@@ -495,8 +494,8 @@
         </p:nvSpPr>
         <p:spPr>
           <a:xfrm>
-            <a:off x="0" y="8685213"/>
-            <a:ext cx="2971800" cy="457200"/>
+            <a:off x="0" y="9428583"/>
+            <a:ext cx="2945659" cy="496332"/>
           </a:xfrm>
           <a:prstGeom prst="rect">
             <a:avLst/>
@@ -526,8 +525,8 @@
         </p:nvSpPr>
         <p:spPr>
           <a:xfrm>
-            <a:off x="3884613" y="8685213"/>
-            <a:ext cx="2971800" cy="457200"/>
+            <a:off x="3850443" y="9428583"/>
+            <a:ext cx="2945659" cy="496332"/>
           </a:xfrm>
           <a:prstGeom prst="rect">
             <a:avLst/>
@@ -709,8 +708,8 @@
         </p:nvSpPr>
         <p:spPr>
           <a:xfrm>
-            <a:off x="1139825" y="685800"/>
-            <a:ext cx="4572000" cy="3429000"/>
+            <a:off x="914400" y="744538"/>
+            <a:ext cx="4962525" cy="3722687"/>
           </a:xfrm>
           <a:ln/>
         </p:spPr>
@@ -727,96 +726,14 @@
         </p:nvSpPr>
         <p:spPr>
           <a:xfrm>
-            <a:off x="913290" y="4343093"/>
-            <a:ext cx="5025363" cy="4115721"/>
+            <a:off x="905257" y="4714820"/>
+            <a:ext cx="4981158" cy="4467987"/>
           </a:xfrm>
         </p:spPr>
         <p:txBody>
           <a:bodyPr/>
           <a:lstStyle/>
           <a:p>
-            <a:endParaRPr lang="en-US"/>
-          </a:p>
-        </p:txBody>
-      </p:sp>
-    </p:spTree>
-  </p:cSld>
-  <p:clrMapOvr>
-    <a:masterClrMapping/>
-  </p:clrMapOvr>
-</p:notes>
-</file>
-
-<file path=ppt/notesSlides/notesSlide10.xml><?xml version="1.0" encoding="utf-8"?>
-<p:notes xmlns:a="http://schemas.openxmlformats.org/drawingml/2006/main" xmlns:r="http://schemas.openxmlformats.org/officeDocument/2006/relationships" xmlns:p="http://schemas.openxmlformats.org/presentationml/2006/main">
-  <p:cSld>
-    <p:spTree>
-      <p:nvGrpSpPr>
-        <p:cNvPr id="1" name=""/>
-        <p:cNvGrpSpPr/>
-        <p:nvPr/>
-      </p:nvGrpSpPr>
-      <p:grpSpPr>
-        <a:xfrm>
-          <a:off x="0" y="0"/>
-          <a:ext cx="0" cy="0"/>
-          <a:chOff x="0" y="0"/>
-          <a:chExt cx="0" cy="0"/>
-        </a:xfrm>
-      </p:grpSpPr>
-      <p:sp>
-        <p:nvSpPr>
-          <p:cNvPr id="2" name="Slide Image Placeholder 1"/>
-          <p:cNvSpPr>
-            <a:spLocks noGrp="1" noRot="1" noChangeAspect="1"/>
-          </p:cNvSpPr>
-          <p:nvPr>
-            <p:ph type="sldImg"/>
-          </p:nvPr>
-        </p:nvSpPr>
-        <p:spPr/>
-      </p:sp>
-      <p:sp>
-        <p:nvSpPr>
-          <p:cNvPr id="3" name="Notes Placeholder 2"/>
-          <p:cNvSpPr>
-            <a:spLocks noGrp="1"/>
-          </p:cNvSpPr>
-          <p:nvPr>
-            <p:ph type="body" idx="1"/>
-          </p:nvPr>
-        </p:nvSpPr>
-        <p:spPr/>
-        <p:txBody>
-          <a:bodyPr>
-            <a:normAutofit/>
-          </a:bodyPr>
-          <a:lstStyle/>
-          <a:p>
-            <a:endParaRPr lang="en-US"/>
-          </a:p>
-        </p:txBody>
-      </p:sp>
-      <p:sp>
-        <p:nvSpPr>
-          <p:cNvPr id="4" name="Slide Number Placeholder 3"/>
-          <p:cNvSpPr>
-            <a:spLocks noGrp="1"/>
-          </p:cNvSpPr>
-          <p:nvPr>
-            <p:ph type="sldNum" sz="quarter" idx="10"/>
-          </p:nvPr>
-        </p:nvSpPr>
-        <p:spPr/>
-        <p:txBody>
-          <a:bodyPr/>
-          <a:lstStyle/>
-          <a:p>
-            <a:fld id="{2324EC39-7544-4C7F-93EE-0C17C74951D0}" type="slidenum">
-              <a:rPr lang="en-US" smtClean="0"/>
-              <a:pPr/>
-              <a:t>10</a:t>
-            </a:fld>
             <a:endParaRPr lang="en-US"/>
           </a:p>
         </p:txBody>
@@ -4003,7 +3920,6 @@
               <a:rPr lang="en-US" dirty="0" smtClean="0"/>
               <a:t>Peter Cao</a:t>
             </a:r>
-            <a:endParaRPr lang="en-US" dirty="0" smtClean="0"/>
           </a:p>
         </p:txBody>
       </p:sp>
@@ -4090,175 +4006,6 @@
       </p:par>
     </p:tnLst>
   </p:timing>
-</p:sld>
-</file>
-
-<file path=ppt/slides/slide10.xml><?xml version="1.0" encoding="utf-8"?>
-<p:sld xmlns:a="http://schemas.openxmlformats.org/drawingml/2006/main" xmlns:r="http://schemas.openxmlformats.org/officeDocument/2006/relationships" xmlns:p="http://schemas.openxmlformats.org/presentationml/2006/main">
-  <p:cSld>
-    <p:spTree>
-      <p:nvGrpSpPr>
-        <p:cNvPr id="1" name=""/>
-        <p:cNvGrpSpPr/>
-        <p:nvPr/>
-      </p:nvGrpSpPr>
-      <p:grpSpPr>
-        <a:xfrm>
-          <a:off x="0" y="0"/>
-          <a:ext cx="0" cy="0"/>
-          <a:chOff x="0" y="0"/>
-          <a:chExt cx="0" cy="0"/>
-        </a:xfrm>
-      </p:grpSpPr>
-      <p:sp>
-        <p:nvSpPr>
-          <p:cNvPr id="2" name="Title 1"/>
-          <p:cNvSpPr>
-            <a:spLocks noGrp="1"/>
-          </p:cNvSpPr>
-          <p:nvPr>
-            <p:ph type="title"/>
-          </p:nvPr>
-        </p:nvSpPr>
-        <p:spPr/>
-        <p:txBody>
-          <a:bodyPr anchor="ctr"/>
-          <a:lstStyle/>
-          <a:p>
-            <a:r>
-              <a:rPr lang="en-US" dirty="0" smtClean="0"/>
-              <a:t>Acknowledgements</a:t>
-            </a:r>
-            <a:endParaRPr lang="en-US" dirty="0"/>
-          </a:p>
-        </p:txBody>
-      </p:sp>
-      <p:sp>
-        <p:nvSpPr>
-          <p:cNvPr id="3" name="Text Placeholder 2"/>
-          <p:cNvSpPr>
-            <a:spLocks noGrp="1"/>
-          </p:cNvSpPr>
-          <p:nvPr>
-            <p:ph type="body" idx="1"/>
-          </p:nvPr>
-        </p:nvSpPr>
-        <p:spPr/>
-        <p:txBody>
-          <a:bodyPr/>
-          <a:lstStyle/>
-          <a:p>
-            <a:pPr algn="ctr">
-              <a:buNone/>
-            </a:pPr>
-            <a:r>
-              <a:rPr lang="en-US" dirty="0" smtClean="0"/>
-              <a:t>This work was [partially] supported by [grant, contract, cooperative agreement] number [agreement number] [from, with] [organization name (acronym)].  </a:t>
-            </a:r>
-          </a:p>
-          <a:p>
-            <a:pPr algn="ctr">
-              <a:buNone/>
-            </a:pPr>
-            <a:endParaRPr lang="en-US" dirty="0" smtClean="0"/>
-          </a:p>
-          <a:p>
-            <a:pPr algn="ctr">
-              <a:buNone/>
-            </a:pPr>
-            <a:r>
-              <a:rPr lang="en-US" dirty="0" smtClean="0"/>
-              <a:t>Any opinions, findings, conclusions, or recommendations expressed in this material are those of the </a:t>
-            </a:r>
-            <a:r>
-              <a:rPr lang="en-US" dirty="0" err="1" smtClean="0"/>
-              <a:t>author[s</a:t>
-            </a:r>
-            <a:r>
-              <a:rPr lang="en-US" dirty="0" smtClean="0"/>
-              <a:t>] and do not necessarily reflect the views of [organization].</a:t>
-            </a:r>
-          </a:p>
-          <a:p>
-            <a:endParaRPr lang="en-US" dirty="0"/>
-          </a:p>
-        </p:txBody>
-      </p:sp>
-      <p:sp>
-        <p:nvSpPr>
-          <p:cNvPr id="4" name="Date Placeholder 3"/>
-          <p:cNvSpPr>
-            <a:spLocks noGrp="1"/>
-          </p:cNvSpPr>
-          <p:nvPr>
-            <p:ph type="dt" sz="half" idx="10"/>
-          </p:nvPr>
-        </p:nvSpPr>
-        <p:spPr/>
-        <p:txBody>
-          <a:bodyPr/>
-          <a:lstStyle/>
-          <a:p>
-            <a:r>
-              <a:rPr lang="en-US" smtClean="0"/>
-              <a:t>October 15-18, 2008</a:t>
-            </a:r>
-            <a:endParaRPr lang="en-US"/>
-          </a:p>
-        </p:txBody>
-      </p:sp>
-      <p:sp>
-        <p:nvSpPr>
-          <p:cNvPr id="5" name="Slide Number Placeholder 4"/>
-          <p:cNvSpPr>
-            <a:spLocks noGrp="1"/>
-          </p:cNvSpPr>
-          <p:nvPr>
-            <p:ph type="sldNum" sz="quarter" idx="11"/>
-          </p:nvPr>
-        </p:nvSpPr>
-        <p:spPr/>
-        <p:txBody>
-          <a:bodyPr/>
-          <a:lstStyle/>
-          <a:p>
-            <a:fld id="{66990693-FCA4-456D-B0D1-1E6BC96D0376}" type="slidenum">
-              <a:rPr lang="en-US" smtClean="0"/>
-              <a:pPr/>
-              <a:t>10</a:t>
-            </a:fld>
-            <a:endParaRPr lang="en-US"/>
-          </a:p>
-        </p:txBody>
-      </p:sp>
-      <p:sp>
-        <p:nvSpPr>
-          <p:cNvPr id="6" name="Footer Placeholder 5"/>
-          <p:cNvSpPr>
-            <a:spLocks noGrp="1"/>
-          </p:cNvSpPr>
-          <p:nvPr>
-            <p:ph type="ftr" sz="quarter" idx="12"/>
-          </p:nvPr>
-        </p:nvSpPr>
-        <p:spPr/>
-        <p:txBody>
-          <a:bodyPr/>
-          <a:lstStyle/>
-          <a:p>
-            <a:r>
-              <a:rPr lang="en-US" smtClean="0"/>
-              <a:t>Workshop Name (edit footer to change)</a:t>
-            </a:r>
-            <a:endParaRPr lang="en-US"/>
-          </a:p>
-        </p:txBody>
-      </p:sp>
-    </p:spTree>
-  </p:cSld>
-  <p:clrMapOvr>
-    <a:masterClrMapping/>
-  </p:clrMapOvr>
 </p:sld>
 </file>
 
@@ -4443,14 +4190,6 @@
               </a:rPr>
               <a:t>Questions &amp; Comments</a:t>
             </a:r>
-            <a:endParaRPr lang="en-US" sz="3200" b="0" dirty="0" smtClean="0">
-              <a:solidFill>
-                <a:srgbClr val="000000"/>
-              </a:solidFill>
-              <a:latin typeface="+mj-lt"/>
-              <a:ea typeface="+mj-ea"/>
-              <a:cs typeface="+mj-cs"/>
-            </a:endParaRPr>
           </a:p>
         </p:txBody>
       </p:sp>
@@ -5914,34 +5653,6 @@
       </p:sp>
       <p:sp>
         <p:nvSpPr>
-          <p:cNvPr id="7" name="Subtitle 6"/>
-          <p:cNvSpPr>
-            <a:spLocks noGrp="1"/>
-          </p:cNvSpPr>
-          <p:nvPr>
-            <p:ph type="subTitle" idx="1"/>
-          </p:nvPr>
-        </p:nvSpPr>
-        <p:spPr>
-          <a:xfrm>
-            <a:off x="1447800" y="4572000"/>
-            <a:ext cx="6400800" cy="914400"/>
-          </a:xfrm>
-        </p:spPr>
-        <p:txBody>
-          <a:bodyPr/>
-          <a:lstStyle/>
-          <a:p>
-            <a:r>
-              <a:rPr lang="en-US" dirty="0" smtClean="0"/>
-              <a:t>Have a great weekend!</a:t>
-            </a:r>
-            <a:endParaRPr lang="en-US" dirty="0"/>
-          </a:p>
-        </p:txBody>
-      </p:sp>
-      <p:sp>
-        <p:nvSpPr>
           <p:cNvPr id="4" name="Date Placeholder 3"/>
           <p:cNvSpPr>
             <a:spLocks noGrp="1"/>
@@ -6006,6 +5717,25 @@
               <a:pPr/>
               <a:t>9</a:t>
             </a:fld>
+            <a:endParaRPr lang="en-US"/>
+          </a:p>
+        </p:txBody>
+      </p:sp>
+      <p:sp>
+        <p:nvSpPr>
+          <p:cNvPr id="3" name="Subtitle 2"/>
+          <p:cNvSpPr>
+            <a:spLocks noGrp="1"/>
+          </p:cNvSpPr>
+          <p:nvPr>
+            <p:ph type="subTitle" idx="1"/>
+          </p:nvPr>
+        </p:nvSpPr>
+        <p:spPr/>
+        <p:txBody>
+          <a:bodyPr/>
+          <a:lstStyle/>
+          <a:p>
             <a:endParaRPr lang="en-US"/>
           </a:p>
         </p:txBody>
